--- a/content/teaching/v202/slides/9_PublicGoods.pptx
+++ b/content/teaching/v202/slides/9_PublicGoods.pptx
@@ -198,6 +198,50 @@
 </p:presentation>
 </file>
 
+<file path=ppt/changesInfos/changesInfo1.xml><?xml version="1.0" encoding="utf-8"?>
+<pc:chgInfo xmlns:a="http://schemas.openxmlformats.org/drawingml/2006/main" xmlns:r="http://schemas.openxmlformats.org/officeDocument/2006/relationships" xmlns:ac="http://schemas.microsoft.com/office/drawing/2013/main/command" xmlns:pc="http://schemas.microsoft.com/office/powerpoint/2013/main/command">
+  <pc:docChgLst>
+    <pc:chgData name="Navarro Ulloa, Luis Enrique" userId="adde1b74-f296-445a-8659-1214c6e2ca22" providerId="ADAL" clId="{66D5E4EF-6D28-4D44-88F7-1F6873A3FF03}"/>
+    <pc:docChg chg="modSld sldOrd modSection">
+      <pc:chgData name="Navarro Ulloa, Luis Enrique" userId="adde1b74-f296-445a-8659-1214c6e2ca22" providerId="ADAL" clId="{66D5E4EF-6D28-4D44-88F7-1F6873A3FF03}" dt="2024-08-20T14:46:41.168" v="2" actId="20577"/>
+      <pc:docMkLst>
+        <pc:docMk/>
+      </pc:docMkLst>
+      <pc:sldChg chg="modSp mod">
+        <pc:chgData name="Navarro Ulloa, Luis Enrique" userId="adde1b74-f296-445a-8659-1214c6e2ca22" providerId="ADAL" clId="{66D5E4EF-6D28-4D44-88F7-1F6873A3FF03}" dt="2024-08-20T14:44:57.999" v="1" actId="20577"/>
+        <pc:sldMkLst>
+          <pc:docMk/>
+          <pc:sldMk cId="1164000542" sldId="489"/>
+        </pc:sldMkLst>
+        <pc:spChg chg="mod">
+          <ac:chgData name="Navarro Ulloa, Luis Enrique" userId="adde1b74-f296-445a-8659-1214c6e2ca22" providerId="ADAL" clId="{66D5E4EF-6D28-4D44-88F7-1F6873A3FF03}" dt="2024-08-20T14:44:57.999" v="1" actId="20577"/>
+          <ac:spMkLst>
+            <pc:docMk/>
+            <pc:sldMk cId="1164000542" sldId="489"/>
+            <ac:spMk id="11" creationId="{BF1602D2-5AC3-8AC2-F630-020397F6961F}"/>
+          </ac:spMkLst>
+        </pc:spChg>
+      </pc:sldChg>
+      <pc:sldChg chg="modSp">
+        <pc:chgData name="Navarro Ulloa, Luis Enrique" userId="adde1b74-f296-445a-8659-1214c6e2ca22" providerId="ADAL" clId="{66D5E4EF-6D28-4D44-88F7-1F6873A3FF03}" dt="2024-08-20T14:46:41.168" v="2" actId="20577"/>
+        <pc:sldMkLst>
+          <pc:docMk/>
+          <pc:sldMk cId="3596266703" sldId="607"/>
+        </pc:sldMkLst>
+        <pc:spChg chg="mod">
+          <ac:chgData name="Navarro Ulloa, Luis Enrique" userId="adde1b74-f296-445a-8659-1214c6e2ca22" providerId="ADAL" clId="{66D5E4EF-6D28-4D44-88F7-1F6873A3FF03}" dt="2024-08-20T14:46:41.168" v="2" actId="20577"/>
+          <ac:spMkLst>
+            <pc:docMk/>
+            <pc:sldMk cId="3596266703" sldId="607"/>
+            <ac:spMk id="5" creationId="{CDDD5410-082F-388C-98F1-2BA6B064ED73}"/>
+          </ac:spMkLst>
+        </pc:spChg>
+      </pc:sldChg>
+    </pc:docChg>
+  </pc:docChgLst>
+</pc:chgInfo>
+</file>
+
 <file path=ppt/handoutMasters/handoutMaster1.xml><?xml version="1.0" encoding="utf-8"?>
 <p:handoutMaster xmlns:a="http://schemas.openxmlformats.org/drawingml/2006/main" xmlns:r="http://schemas.openxmlformats.org/officeDocument/2006/relationships" xmlns:p="http://schemas.openxmlformats.org/presentationml/2006/main">
   <p:cSld>
@@ -280,7 +324,7 @@
           <a:p>
             <a:fld id="{C87859BD-4604-2843-976C-9F2DEE3C79DB}" type="datetimeFigureOut">
               <a:rPr lang="en-US" smtClean="0"/>
-              <a:t>4/5/2023</a:t>
+              <a:t>8/20/24</a:t>
             </a:fld>
             <a:endParaRPr lang="en-US"/>
           </a:p>
@@ -445,7 +489,7 @@
           <a:p>
             <a:fld id="{DE108F45-8DB7-E449-85E4-EC04F96DF3AA}" type="datetimeFigureOut">
               <a:rPr lang="en-US" smtClean="0"/>
-              <a:t>4/5/2023</a:t>
+              <a:t>8/20/24</a:t>
             </a:fld>
             <a:endParaRPr lang="en-US"/>
           </a:p>
@@ -4455,17 +4499,6 @@
           </a:p>
           <a:p>
             <a:pPr algn="ctr"/>
-            <a:r>
-              <a:rPr lang="en-US" sz="2400" b="0" dirty="0">
-                <a:solidFill>
-                  <a:schemeClr val="bg1"/>
-                </a:solidFill>
-              </a:rPr>
-              <a:t>Fall 2022</a:t>
-            </a:r>
-          </a:p>
-          <a:p>
-            <a:pPr algn="ctr"/>
             <a:endParaRPr lang="en-US" sz="2400" b="0" dirty="0">
               <a:solidFill>
                 <a:schemeClr val="bg1"/>
@@ -8654,7 +8687,7 @@
             </a:r>
             <a:r>
               <a:rPr lang="en-US" sz="1400" dirty="0"/>
-              <a:t> devices tap into the wi-fi, then the internet becomes to slow to be enjoyed. </a:t>
+              <a:t> devices tap into the wi-fi, then the internet becomes too slow to be enjoyed. </a:t>
             </a:r>
           </a:p>
           <a:p>
@@ -20799,12 +20832,9 @@
 </file>
 
 <file path=customXml/item1.xml><?xml version="1.0" encoding="utf-8"?>
-<?mso-contentType ?>
-<FormTemplates xmlns="http://schemas.microsoft.com/sharepoint/v3/contenttype/forms">
-  <Display>DocumentLibraryForm</Display>
-  <Edit>DocumentLibraryForm</Edit>
-  <New>DocumentLibraryForm</New>
-</FormTemplates>
+<p:properties xmlns:p="http://schemas.microsoft.com/office/2006/metadata/properties" xmlns:xsi="http://www.w3.org/2001/XMLSchema-instance" xmlns:pc="http://schemas.microsoft.com/office/infopath/2007/PartnerControls">
+  <documentManagement/>
+</p:properties>
 </file>
 
 <file path=customXml/item2.xml><?xml version="1.0" encoding="utf-8"?>
@@ -21031,15 +21061,27 @@
 </file>
 
 <file path=customXml/item3.xml><?xml version="1.0" encoding="utf-8"?>
-<p:properties xmlns:p="http://schemas.microsoft.com/office/2006/metadata/properties" xmlns:xsi="http://www.w3.org/2001/XMLSchema-instance" xmlns:pc="http://schemas.microsoft.com/office/infopath/2007/PartnerControls">
-  <documentManagement/>
-</p:properties>
+<?mso-contentType ?>
+<FormTemplates xmlns="http://schemas.microsoft.com/sharepoint/v3/contenttype/forms">
+  <Display>DocumentLibraryForm</Display>
+  <Edit>DocumentLibraryForm</Edit>
+  <New>DocumentLibraryForm</New>
+</FormTemplates>
 </file>
 
 <file path=customXml/itemProps1.xml><?xml version="1.0" encoding="utf-8"?>
-<ds:datastoreItem xmlns:ds="http://schemas.openxmlformats.org/officeDocument/2006/customXml" ds:itemID="{87D2A1B0-FF3E-4009-940D-AED0EB70AA20}">
+<ds:datastoreItem xmlns:ds="http://schemas.openxmlformats.org/officeDocument/2006/customXml" ds:itemID="{7B6F2769-7194-4217-93D3-3AF3A4742282}">
   <ds:schemaRefs>
-    <ds:schemaRef ds:uri="http://schemas.microsoft.com/sharepoint/v3/contenttype/forms"/>
+    <ds:schemaRef ds:uri="http://schemas.microsoft.com/office/infopath/2007/PartnerControls"/>
+    <ds:schemaRef ds:uri="http://schemas.microsoft.com/office/2006/metadata/properties"/>
+    <ds:schemaRef ds:uri="http://purl.org/dc/terms/"/>
+    <ds:schemaRef ds:uri="http://schemas.microsoft.com/office/2006/documentManagement/types"/>
+    <ds:schemaRef ds:uri="http://purl.org/dc/elements/1.1/"/>
+    <ds:schemaRef ds:uri="http://schemas.openxmlformats.org/package/2006/metadata/core-properties"/>
+    <ds:schemaRef ds:uri="http://purl.org/dc/dcmitype/"/>
+    <ds:schemaRef ds:uri="82db8b44-0703-48fc-920e-285d3f66b75e"/>
+    <ds:schemaRef ds:uri="8db4f6ed-281a-40b3-a3a6-248115f75364"/>
+    <ds:schemaRef ds:uri="http://www.w3.org/XML/1998/namespace"/>
   </ds:schemaRefs>
 </ds:datastoreItem>
 </file>
@@ -21064,18 +21106,9 @@
 </file>
 
 <file path=customXml/itemProps3.xml><?xml version="1.0" encoding="utf-8"?>
-<ds:datastoreItem xmlns:ds="http://schemas.openxmlformats.org/officeDocument/2006/customXml" ds:itemID="{7B6F2769-7194-4217-93D3-3AF3A4742282}">
+<ds:datastoreItem xmlns:ds="http://schemas.openxmlformats.org/officeDocument/2006/customXml" ds:itemID="{87D2A1B0-FF3E-4009-940D-AED0EB70AA20}">
   <ds:schemaRefs>
-    <ds:schemaRef ds:uri="http://purl.org/dc/elements/1.1/"/>
-    <ds:schemaRef ds:uri="http://schemas.openxmlformats.org/package/2006/metadata/core-properties"/>
-    <ds:schemaRef ds:uri="http://purl.org/dc/dcmitype/"/>
-    <ds:schemaRef ds:uri="http://purl.org/dc/terms/"/>
-    <ds:schemaRef ds:uri="http://www.w3.org/XML/1998/namespace"/>
-    <ds:schemaRef ds:uri="8db4f6ed-281a-40b3-a3a6-248115f75364"/>
-    <ds:schemaRef ds:uri="http://schemas.microsoft.com/office/2006/metadata/properties"/>
-    <ds:schemaRef ds:uri="http://schemas.microsoft.com/office/2006/documentManagement/types"/>
-    <ds:schemaRef ds:uri="http://schemas.microsoft.com/office/infopath/2007/PartnerControls"/>
-    <ds:schemaRef ds:uri="82db8b44-0703-48fc-920e-285d3f66b75e"/>
+    <ds:schemaRef ds:uri="http://schemas.microsoft.com/sharepoint/v3/contenttype/forms"/>
   </ds:schemaRefs>
 </ds:datastoreItem>
 </file>